--- a/Data/Spark Funds Presentation.pptx
+++ b/Data/Spark Funds Presentation.pptx
@@ -14,9 +14,9 @@
     <p:sldId id="259" r:id="rId5"/>
     <p:sldId id="260" r:id="rId6"/>
     <p:sldId id="267" r:id="rId7"/>
-    <p:sldId id="262" r:id="rId8"/>
-    <p:sldId id="268" r:id="rId9"/>
-    <p:sldId id="269" r:id="rId10"/>
+    <p:sldId id="270" r:id="rId8"/>
+    <p:sldId id="271" r:id="rId9"/>
+    <p:sldId id="272" r:id="rId10"/>
     <p:sldId id="265" r:id="rId11"/>
   </p:sldIdLst>
   <p:sldSz cx="12192000" cy="6858000"/>
@@ -209,7 +209,7 @@
           <a:p>
             <a:fld id="{2E309023-AF2B-4043-B228-F191CADC9BB1}" type="datetimeFigureOut">
               <a:rPr lang="en-IN" smtClean="0"/>
-              <a:t>06-04-2017</a:t>
+              <a:t>03-11-2018</a:t>
             </a:fld>
             <a:endParaRPr lang="en-IN"/>
           </a:p>
@@ -608,7 +608,7 @@
           <a:p>
             <a:fld id="{70C018FE-C8D6-4A9C-A702-41F1E0C1C452}" type="datetimeFigureOut">
               <a:rPr lang="en-IN" smtClean="0"/>
-              <a:t>06-04-2017</a:t>
+              <a:t>03-11-2018</a:t>
             </a:fld>
             <a:endParaRPr lang="en-IN"/>
           </a:p>
@@ -778,7 +778,7 @@
           <a:p>
             <a:fld id="{70C018FE-C8D6-4A9C-A702-41F1E0C1C452}" type="datetimeFigureOut">
               <a:rPr lang="en-IN" smtClean="0"/>
-              <a:t>06-04-2017</a:t>
+              <a:t>03-11-2018</a:t>
             </a:fld>
             <a:endParaRPr lang="en-IN"/>
           </a:p>
@@ -958,7 +958,7 @@
           <a:p>
             <a:fld id="{70C018FE-C8D6-4A9C-A702-41F1E0C1C452}" type="datetimeFigureOut">
               <a:rPr lang="en-IN" smtClean="0"/>
-              <a:t>06-04-2017</a:t>
+              <a:t>03-11-2018</a:t>
             </a:fld>
             <a:endParaRPr lang="en-IN"/>
           </a:p>
@@ -1390,7 +1390,7 @@
           <a:p>
             <a:fld id="{70C018FE-C8D6-4A9C-A702-41F1E0C1C452}" type="datetimeFigureOut">
               <a:rPr lang="en-IN" smtClean="0"/>
-              <a:t>06-04-2017</a:t>
+              <a:t>03-11-2018</a:t>
             </a:fld>
             <a:endParaRPr lang="en-IN"/>
           </a:p>
@@ -1622,7 +1622,7 @@
           <a:p>
             <a:fld id="{70C018FE-C8D6-4A9C-A702-41F1E0C1C452}" type="datetimeFigureOut">
               <a:rPr lang="en-IN" smtClean="0"/>
-              <a:t>06-04-2017</a:t>
+              <a:t>03-11-2018</a:t>
             </a:fld>
             <a:endParaRPr lang="en-IN"/>
           </a:p>
@@ -1989,7 +1989,7 @@
           <a:p>
             <a:fld id="{70C018FE-C8D6-4A9C-A702-41F1E0C1C452}" type="datetimeFigureOut">
               <a:rPr lang="en-IN" smtClean="0"/>
-              <a:t>06-04-2017</a:t>
+              <a:t>03-11-2018</a:t>
             </a:fld>
             <a:endParaRPr lang="en-IN"/>
           </a:p>
@@ -2107,7 +2107,7 @@
           <a:p>
             <a:fld id="{70C018FE-C8D6-4A9C-A702-41F1E0C1C452}" type="datetimeFigureOut">
               <a:rPr lang="en-IN" smtClean="0"/>
-              <a:t>06-04-2017</a:t>
+              <a:t>03-11-2018</a:t>
             </a:fld>
             <a:endParaRPr lang="en-IN"/>
           </a:p>
@@ -2202,7 +2202,7 @@
           <a:p>
             <a:fld id="{70C018FE-C8D6-4A9C-A702-41F1E0C1C452}" type="datetimeFigureOut">
               <a:rPr lang="en-IN" smtClean="0"/>
-              <a:t>06-04-2017</a:t>
+              <a:t>03-11-2018</a:t>
             </a:fld>
             <a:endParaRPr lang="en-IN"/>
           </a:p>
@@ -2478,7 +2478,7 @@
           <a:p>
             <a:fld id="{70C018FE-C8D6-4A9C-A702-41F1E0C1C452}" type="datetimeFigureOut">
               <a:rPr lang="en-IN" smtClean="0"/>
-              <a:t>06-04-2017</a:t>
+              <a:t>03-11-2018</a:t>
             </a:fld>
             <a:endParaRPr lang="en-IN"/>
           </a:p>
@@ -2735,7 +2735,7 @@
           <a:p>
             <a:fld id="{70C018FE-C8D6-4A9C-A702-41F1E0C1C452}" type="datetimeFigureOut">
               <a:rPr lang="en-IN" smtClean="0"/>
-              <a:t>06-04-2017</a:t>
+              <a:t>03-11-2018</a:t>
             </a:fld>
             <a:endParaRPr lang="en-IN"/>
           </a:p>
@@ -2946,7 +2946,7 @@
           <a:p>
             <a:fld id="{70C018FE-C8D6-4A9C-A702-41F1E0C1C452}" type="datetimeFigureOut">
               <a:rPr lang="en-IN" smtClean="0"/>
-              <a:t>06-04-2017</a:t>
+              <a:t>03-11-2018</a:t>
             </a:fld>
             <a:endParaRPr lang="en-IN" dirty="0"/>
           </a:p>
@@ -3041,7 +3041,7 @@
           <p:nvPr userDrawn="1"/>
         </p:nvPicPr>
         <p:blipFill>
-          <a:blip r:embed="rId13">
+          <a:blip r:embed="rId13" cstate="print">
             <a:extLst>
               <a:ext uri="{28A0092B-C50C-407E-A947-70E740481C1C}">
                 <a14:useLocalDpi xmlns:a14="http://schemas.microsoft.com/office/drawing/2010/main" val="0"/>
@@ -3514,7 +3514,15 @@
             </a:pPr>
             <a:r>
               <a:rPr lang="en-IN" sz="1800" dirty="0"/>
-              <a:t> Member name</a:t>
+              <a:t> </a:t>
+            </a:r>
+            <a:r>
+              <a:rPr lang="en-IN" sz="1800" dirty="0" err="1"/>
+              <a:t>Sweta</a:t>
+            </a:r>
+            <a:r>
+              <a:rPr lang="en-IN" sz="1800" dirty="0"/>
+              <a:t> Kumari</a:t>
             </a:r>
           </a:p>
           <a:p>
@@ -3524,7 +3532,7 @@
             </a:pPr>
             <a:r>
               <a:rPr lang="en-IN" sz="1800" dirty="0"/>
-              <a:t> Member name</a:t>
+              <a:t> Manish Anand</a:t>
             </a:r>
           </a:p>
           <a:p>
@@ -3534,7 +3542,7 @@
             </a:pPr>
             <a:r>
               <a:rPr lang="en-IN" sz="1800" dirty="0"/>
-              <a:t> Member name</a:t>
+              <a:t> Annamalai Ganapathy</a:t>
             </a:r>
           </a:p>
           <a:p>
@@ -3544,8 +3552,21 @@
             </a:pPr>
             <a:r>
               <a:rPr lang="en-IN" sz="1800" dirty="0"/>
-              <a:t> Member name</a:t>
-            </a:r>
+              <a:t> </a:t>
+            </a:r>
+            <a:r>
+              <a:rPr lang="en-IN" sz="1800" dirty="0" err="1"/>
+              <a:t>Jayakrishna</a:t>
+            </a:r>
+            <a:r>
+              <a:rPr lang="en-IN" sz="1800" dirty="0"/>
+              <a:t> </a:t>
+            </a:r>
+            <a:r>
+              <a:rPr lang="en-IN" sz="1800" dirty="0" err="1"/>
+              <a:t>Chakkirala</a:t>
+            </a:r>
+            <a:endParaRPr lang="en-IN" sz="1800" dirty="0"/>
           </a:p>
           <a:p>
             <a:pPr marL="457200" indent="-457200" algn="l">
@@ -3691,6 +3712,82 @@
             <a:pPr marL="0" indent="0">
               <a:buNone/>
             </a:pPr>
+            <a:r>
+              <a:rPr lang="en-IN" sz="1400" dirty="0"/>
+              <a:t>The objective of this case study is facilitate Sparks Funds, an asset management company in making investments on other companies with below constraints:</a:t>
+            </a:r>
+          </a:p>
+          <a:p>
+            <a:r>
+              <a:rPr lang="en-IN" sz="1400" dirty="0"/>
+              <a:t>It can invest </a:t>
+            </a:r>
+            <a:r>
+              <a:rPr lang="en-US" sz="1400" dirty="0"/>
+              <a:t>between 5 to 15 million USD per round of investment.</a:t>
+            </a:r>
+          </a:p>
+          <a:p>
+            <a:r>
+              <a:rPr lang="en-US" sz="1400" dirty="0"/>
+              <a:t>It wants to invest only on English Speaking countries.</a:t>
+            </a:r>
+          </a:p>
+          <a:p>
+            <a:endParaRPr lang="en-US" sz="1400" dirty="0"/>
+          </a:p>
+          <a:p>
+            <a:pPr marL="0" indent="0">
+              <a:buNone/>
+            </a:pPr>
+            <a:r>
+              <a:rPr lang="en-US" sz="1400" dirty="0"/>
+              <a:t>This case study helps Sparks Funds in understanding the market trend for investment by analyzing the below important factors:</a:t>
+            </a:r>
+          </a:p>
+          <a:p>
+            <a:pPr marL="342900" indent="-342900">
+              <a:buAutoNum type="arabicParenR"/>
+            </a:pPr>
+            <a:r>
+              <a:rPr lang="en-US" sz="1400" dirty="0"/>
+              <a:t>Investment Type : This would help in narrowing down the best investment types suited for Sparks Funds to invest as it has constraints of investment amount.</a:t>
+            </a:r>
+          </a:p>
+          <a:p>
+            <a:pPr marL="342900" indent="-342900">
+              <a:buAutoNum type="arabicParenR"/>
+            </a:pPr>
+            <a:r>
+              <a:rPr lang="en-US" sz="1400" dirty="0"/>
+              <a:t>Country : This would help in narrowing down the best suited English speaking countries for investment.</a:t>
+            </a:r>
+          </a:p>
+          <a:p>
+            <a:pPr marL="342900" indent="-342900">
+              <a:buAutoNum type="arabicParenR"/>
+            </a:pPr>
+            <a:r>
+              <a:rPr lang="en-US" sz="1400" dirty="0"/>
+              <a:t>Sectors : This is the main factor for investment as it helps Sparks funds in deciding the main sector and primary sector best suited for investment. 	  	 </a:t>
+            </a:r>
+          </a:p>
+          <a:p>
+            <a:pPr marL="0" indent="0">
+              <a:buNone/>
+            </a:pPr>
+            <a:r>
+              <a:rPr lang="en-US" sz="1400" dirty="0"/>
+              <a:t>All the above factors play key role for Sparks Funds in deciding the company name that it would prefer to invest with the </a:t>
+            </a:r>
+            <a:r>
+              <a:rPr lang="en-US" sz="1400" dirty="0" err="1"/>
+              <a:t>constraints.In</a:t>
+            </a:r>
+            <a:r>
+              <a:rPr lang="en-US" sz="1400" dirty="0"/>
+              <a:t> the end we would have the top 3 countries with the maximum number of investments in each sector.</a:t>
+            </a:r>
             <a:endParaRPr lang="en-IN" sz="1400" dirty="0"/>
           </a:p>
         </p:txBody>
@@ -3758,33 +3855,6 @@
       </p:grpSpPr>
       <p:sp>
         <p:nvSpPr>
-          <p:cNvPr id="3" name="Content Placeholder 2"/>
-          <p:cNvSpPr>
-            <a:spLocks noGrp="1"/>
-          </p:cNvSpPr>
-          <p:nvPr>
-            <p:ph idx="1"/>
-          </p:nvPr>
-        </p:nvSpPr>
-        <p:spPr/>
-        <p:txBody>
-          <a:bodyPr>
-            <a:normAutofit/>
-          </a:bodyPr>
-          <a:lstStyle/>
-          <a:p>
-            <a:pPr marL="0" indent="0">
-              <a:buNone/>
-            </a:pPr>
-            <a:r>
-              <a:rPr lang="en-IN" sz="1800" dirty="0"/>
-              <a:t>Use flow chart</a:t>
-            </a:r>
-          </a:p>
-        </p:txBody>
-      </p:sp>
-      <p:sp>
-        <p:nvSpPr>
           <p:cNvPr id="5" name="Title 1"/>
           <p:cNvSpPr>
             <a:spLocks noGrp="1"/>
@@ -3809,11 +3879,41 @@
             </a:r>
             <a:r>
               <a:rPr lang="en-IN" sz="2800" dirty="0"/>
-              <a:t>&lt;Problem solving methodology&gt;</a:t>
-            </a:r>
-          </a:p>
-        </p:txBody>
-      </p:sp>
+              <a:t>Problem solving methodology:</a:t>
+            </a:r>
+          </a:p>
+        </p:txBody>
+      </p:sp>
+      <p:pic>
+        <p:nvPicPr>
+          <p:cNvPr id="14" name="Picture 13">
+            <a:extLst>
+              <a:ext uri="{FF2B5EF4-FFF2-40B4-BE49-F238E27FC236}">
+                <a16:creationId xmlns:a16="http://schemas.microsoft.com/office/drawing/2014/main" id="{4E7C1A1E-CC81-4FD5-B9AE-F4EE810F8E0C}"/>
+              </a:ext>
+            </a:extLst>
+          </p:cNvPr>
+          <p:cNvPicPr>
+            <a:picLocks noChangeAspect="1"/>
+          </p:cNvPicPr>
+          <p:nvPr/>
+        </p:nvPicPr>
+        <p:blipFill>
+          <a:blip r:embed="rId2"/>
+          <a:stretch>
+            <a:fillRect/>
+          </a:stretch>
+        </p:blipFill>
+        <p:spPr>
+          <a:xfrm>
+            <a:off x="1628781" y="1380392"/>
+            <a:ext cx="4675303" cy="5407268"/>
+          </a:xfrm>
+          <a:prstGeom prst="rect">
+            <a:avLst/>
+          </a:prstGeom>
+        </p:spPr>
+      </p:pic>
     </p:spTree>
     <p:extLst>
       <p:ext uri="{BB962C8B-B14F-4D97-AF65-F5344CB8AC3E}">
@@ -3864,9 +3964,10 @@
               <a:t> </a:t>
             </a:r>
             <a:r>
-              <a:rPr lang="en-IN" sz="2800" dirty="0"/>
-              <a:t>&lt;Analysis&gt;</a:t>
-            </a:r>
+              <a:rPr lang="en-IN" sz="3600" b="1" dirty="0"/>
+              <a:t>Funding Type Analysis</a:t>
+            </a:r>
+            <a:endParaRPr lang="en-IN" sz="3600" dirty="0"/>
           </a:p>
         </p:txBody>
       </p:sp>
@@ -3890,7 +3991,136 @@
             <a:pPr marL="0" indent="0">
               <a:buNone/>
             </a:pPr>
+            <a:r>
+              <a:rPr lang="en-IN" sz="1400" dirty="0"/>
+              <a:t>Steps undertaken for Investment Type Analysis :</a:t>
+            </a:r>
+          </a:p>
+          <a:p>
+            <a:pPr marL="0" indent="0">
+              <a:buNone/>
+            </a:pPr>
+            <a:r>
+              <a:rPr lang="en-IN" sz="1400" dirty="0"/>
+              <a:t>Step 1: Load the data into data frames </a:t>
+            </a:r>
+            <a:r>
+              <a:rPr lang="en-IN" sz="1400" b="1" dirty="0"/>
+              <a:t>companies</a:t>
+            </a:r>
+            <a:r>
+              <a:rPr lang="en-IN" sz="1400" dirty="0"/>
+              <a:t> and </a:t>
+            </a:r>
+            <a:r>
+              <a:rPr lang="en-IN" sz="1400" b="1" dirty="0"/>
+              <a:t>rounds2</a:t>
+            </a:r>
+          </a:p>
+          <a:p>
+            <a:pPr marL="0" indent="0">
+              <a:buNone/>
+            </a:pPr>
+            <a:r>
+              <a:rPr lang="en-IN" sz="1400" dirty="0"/>
+              <a:t>Step 2:</a:t>
+            </a:r>
+            <a:r>
+              <a:rPr lang="en-IN" sz="1400" b="1" dirty="0"/>
+              <a:t> </a:t>
+            </a:r>
+            <a:r>
+              <a:rPr lang="en-IN" sz="1400" dirty="0"/>
+              <a:t>Data cleaning for encoding issues </a:t>
+            </a:r>
+          </a:p>
+          <a:p>
+            <a:pPr marL="0" indent="0">
+              <a:buNone/>
+            </a:pPr>
+            <a:r>
+              <a:rPr lang="en-IN" sz="1400" dirty="0"/>
+              <a:t>Step 3: Create master data frame by merging companies and rounds2 on attribute </a:t>
+            </a:r>
+            <a:r>
+              <a:rPr lang="en-IN" sz="1400" b="1" dirty="0"/>
+              <a:t>permalink</a:t>
+            </a:r>
+            <a:r>
+              <a:rPr lang="en-IN" sz="1400" dirty="0"/>
+              <a:t>/</a:t>
+            </a:r>
+            <a:r>
+              <a:rPr lang="en-IN" sz="1400" b="1" dirty="0"/>
+              <a:t>company_permalink</a:t>
+            </a:r>
+          </a:p>
+          <a:p>
+            <a:pPr marL="0" indent="0">
+              <a:buNone/>
+            </a:pPr>
+            <a:r>
+              <a:rPr lang="en-IN" sz="1400" dirty="0"/>
+              <a:t>Step 4: Clean master data frame to only include companies with no null values for raised_amount</a:t>
+            </a:r>
+          </a:p>
+          <a:p>
+            <a:pPr marL="0" indent="0">
+              <a:buNone/>
+            </a:pPr>
+            <a:r>
+              <a:rPr lang="en-IN" sz="1400" dirty="0"/>
+              <a:t>Step 5: Find the average amount raised by individual funding type</a:t>
+            </a:r>
+          </a:p>
+          <a:p>
+            <a:pPr marL="0" indent="0">
+              <a:buNone/>
+            </a:pPr>
+            <a:r>
+              <a:rPr lang="en-IN" sz="1400" dirty="0"/>
+              <a:t>As Sparks Funds can invest in range of 5 -15 million dollars per round of investment we need </a:t>
+            </a:r>
+            <a:r>
+              <a:rPr lang="en-US" sz="1400" dirty="0"/>
+              <a:t>compare the investment amounts in the venture, seed, angel, private equity etc. As seed/angel funding are for early startups and private equity involves a huge money for investment , </a:t>
+            </a:r>
+            <a:r>
+              <a:rPr lang="en-US" sz="1400" b="1" dirty="0"/>
+              <a:t>Venture</a:t>
+            </a:r>
+            <a:r>
+              <a:rPr lang="en-US" sz="1400" dirty="0"/>
+              <a:t> funding type seems appropriate investment type for Sparks Funds.</a:t>
+            </a:r>
+          </a:p>
+          <a:p>
+            <a:pPr marL="0" indent="0">
+              <a:buNone/>
+            </a:pPr>
             <a:endParaRPr lang="en-IN" sz="1400" dirty="0"/>
+          </a:p>
+          <a:p>
+            <a:pPr marL="0" indent="0">
+              <a:buNone/>
+            </a:pPr>
+            <a:r>
+              <a:rPr lang="en-IN" sz="1400" b="1" dirty="0"/>
+              <a:t>Assumptions : </a:t>
+            </a:r>
+            <a:r>
+              <a:rPr lang="en-IN" sz="1400" dirty="0"/>
+              <a:t>Companies with closed status is also considered in data analysis.</a:t>
+            </a:r>
+          </a:p>
+          <a:p>
+            <a:pPr marL="0" indent="0">
+              <a:buNone/>
+            </a:pPr>
+            <a:endParaRPr lang="en-IN" sz="1400" dirty="0"/>
+          </a:p>
+          <a:p>
+            <a:endParaRPr lang="en-IN" sz="1400" b="1" dirty="0"/>
           </a:p>
         </p:txBody>
       </p:sp>
@@ -3936,36 +4166,161 @@
         </p:nvSpPr>
         <p:spPr/>
         <p:txBody>
-          <a:bodyPr/>
-          <a:lstStyle/>
-          <a:p>
-            <a:r>
-              <a:rPr lang="en-IN" b="1" dirty="0"/>
-              <a:t> </a:t>
-            </a:r>
-            <a:r>
-              <a:rPr lang="en-IN" sz="2800" dirty="0"/>
-              <a:t>&lt;Analysis&gt;</a:t>
-            </a:r>
-          </a:p>
-        </p:txBody>
-      </p:sp>
-      <p:sp>
-        <p:nvSpPr>
-          <p:cNvPr id="3" name="Content Placeholder 2"/>
-          <p:cNvSpPr>
-            <a:spLocks noGrp="1"/>
-          </p:cNvSpPr>
-          <p:nvPr>
-            <p:ph idx="1"/>
-          </p:nvPr>
-        </p:nvSpPr>
-        <p:spPr/>
-        <p:txBody>
           <a:bodyPr>
             <a:normAutofit/>
           </a:bodyPr>
           <a:lstStyle/>
+          <a:p>
+            <a:r>
+              <a:rPr lang="en-IN" sz="3600" b="1" dirty="0"/>
+              <a:t>Country Analysis</a:t>
+            </a:r>
+            <a:endParaRPr lang="en-IN" sz="3600" dirty="0"/>
+          </a:p>
+        </p:txBody>
+      </p:sp>
+      <p:sp>
+        <p:nvSpPr>
+          <p:cNvPr id="3" name="Content Placeholder 2"/>
+          <p:cNvSpPr>
+            <a:spLocks noGrp="1"/>
+          </p:cNvSpPr>
+          <p:nvPr>
+            <p:ph idx="1"/>
+          </p:nvPr>
+        </p:nvSpPr>
+        <p:spPr/>
+        <p:txBody>
+          <a:bodyPr>
+            <a:normAutofit/>
+          </a:bodyPr>
+          <a:lstStyle/>
+          <a:p>
+            <a:pPr marL="0" indent="0">
+              <a:buNone/>
+            </a:pPr>
+            <a:r>
+              <a:rPr lang="en-US" sz="1400" dirty="0"/>
+              <a:t>Spark Funds wants to invest in countries with the highest amount of funding for the chosen investment type.</a:t>
+            </a:r>
+          </a:p>
+          <a:p>
+            <a:pPr marL="0" indent="0">
+              <a:buNone/>
+            </a:pPr>
+            <a:r>
+              <a:rPr lang="en-US" sz="1400" dirty="0"/>
+              <a:t>Step 1: Based on the selected investment type , </a:t>
+            </a:r>
+            <a:r>
+              <a:rPr lang="en-US" sz="1400" dirty="0" err="1"/>
+              <a:t>ie</a:t>
+            </a:r>
+            <a:r>
+              <a:rPr lang="en-US" sz="1400" dirty="0"/>
+              <a:t> Venture type in our case , filter the master data frame.</a:t>
+            </a:r>
+          </a:p>
+          <a:p>
+            <a:pPr marL="0" indent="0">
+              <a:buNone/>
+            </a:pPr>
+            <a:r>
+              <a:rPr lang="en-US" sz="1400" dirty="0"/>
+              <a:t>Step 2: Filter the data frame for only English speaking countries</a:t>
+            </a:r>
+          </a:p>
+          <a:p>
+            <a:pPr marL="0" indent="0">
+              <a:buNone/>
+            </a:pPr>
+            <a:r>
+              <a:rPr lang="en-US" sz="1400" dirty="0"/>
+              <a:t>Step 3: Find the sum of </a:t>
+            </a:r>
+            <a:r>
+              <a:rPr lang="en-US" sz="1400" dirty="0" err="1"/>
+              <a:t>raised_amount</a:t>
+            </a:r>
+            <a:r>
+              <a:rPr lang="en-US" sz="1400" dirty="0"/>
+              <a:t> for each country from the filtered data frame in step 2.</a:t>
+            </a:r>
+          </a:p>
+          <a:p>
+            <a:pPr marL="0" indent="0">
+              <a:buNone/>
+            </a:pPr>
+            <a:r>
+              <a:rPr lang="en-US" sz="1400" dirty="0"/>
+              <a:t>Step 4: Create data frame Top9 for the top 9 countries sorted in ascending order of the amount raised for Venture type funding.</a:t>
+            </a:r>
+          </a:p>
+          <a:p>
+            <a:pPr marL="0" indent="0">
+              <a:buNone/>
+            </a:pPr>
+            <a:r>
+              <a:rPr lang="en-US" sz="1400" dirty="0"/>
+              <a:t>Step 5: Determine the top 3 countries from the data frame Top9</a:t>
+            </a:r>
+          </a:p>
+          <a:p>
+            <a:pPr marL="0" indent="0">
+              <a:buNone/>
+            </a:pPr>
+            <a:r>
+              <a:rPr lang="en-IN" sz="1400" dirty="0"/>
+              <a:t>As Sparks Funds prefers to invest in only English speaking countries, we need </a:t>
+            </a:r>
+            <a:r>
+              <a:rPr lang="en-US" sz="1400" dirty="0"/>
+              <a:t>first filter the English speaking countries from the data frame for investment type Venture and then sort them in ascending order of amounts raised.</a:t>
+            </a:r>
+          </a:p>
+          <a:p>
+            <a:pPr marL="0" indent="0">
+              <a:buNone/>
+            </a:pPr>
+            <a:r>
+              <a:rPr lang="en-US" sz="1400" dirty="0"/>
+              <a:t>Top 3 countries for Sparks Funds potential investment :</a:t>
+            </a:r>
+          </a:p>
+          <a:p>
+            <a:pPr>
+              <a:lnSpc>
+                <a:spcPct val="100000"/>
+              </a:lnSpc>
+            </a:pPr>
+            <a:r>
+              <a:rPr lang="en-US" sz="1400" dirty="0"/>
+              <a:t>USA</a:t>
+            </a:r>
+          </a:p>
+          <a:p>
+            <a:pPr>
+              <a:lnSpc>
+                <a:spcPct val="100000"/>
+              </a:lnSpc>
+            </a:pPr>
+            <a:r>
+              <a:rPr lang="en-US" sz="1400" dirty="0"/>
+              <a:t>Great Britain</a:t>
+            </a:r>
+          </a:p>
+          <a:p>
+            <a:pPr>
+              <a:lnSpc>
+                <a:spcPct val="100000"/>
+              </a:lnSpc>
+            </a:pPr>
+            <a:r>
+              <a:rPr lang="en-US" sz="1400" dirty="0"/>
+              <a:t>India</a:t>
+            </a:r>
+            <a:endParaRPr lang="en-IN" sz="1400" dirty="0"/>
+          </a:p>
           <a:p>
             <a:pPr marL="0" indent="0">
               <a:buNone/>
@@ -4016,16 +4371,14 @@
         </p:nvSpPr>
         <p:spPr/>
         <p:txBody>
-          <a:bodyPr/>
-          <a:lstStyle/>
-          <a:p>
-            <a:r>
-              <a:rPr lang="en-IN" b="1" dirty="0"/>
-              <a:t> </a:t>
-            </a:r>
-            <a:r>
-              <a:rPr lang="en-IN" sz="2800" dirty="0"/>
-              <a:t>&lt;Analysis&gt;</a:t>
+          <a:bodyPr>
+            <a:normAutofit/>
+          </a:bodyPr>
+          <a:lstStyle/>
+          <a:p>
+            <a:r>
+              <a:rPr lang="en-IN" sz="3600" b="1" dirty="0"/>
+              <a:t> Sector Analysis</a:t>
             </a:r>
           </a:p>
         </p:txBody>
@@ -4104,10 +4457,13 @@
             <a:pPr marL="0" indent="0">
               <a:buNone/>
             </a:pPr>
-            <a:r>
-              <a:rPr lang="en-IN" sz="1800" dirty="0"/>
-              <a:t>Plot 1</a:t>
-            </a:r>
+            <a:endParaRPr lang="en-US" sz="1800" b="1" dirty="0"/>
+          </a:p>
+          <a:p>
+            <a:pPr marL="0" indent="0">
+              <a:buNone/>
+            </a:pPr>
+            <a:endParaRPr lang="en-IN" sz="1800" dirty="0"/>
           </a:p>
         </p:txBody>
       </p:sp>
@@ -4123,29 +4479,84 @@
         </p:nvSpPr>
         <p:spPr>
           <a:xfrm>
-            <a:off x="1136469" y="640080"/>
+            <a:off x="404949" y="338532"/>
             <a:ext cx="9313817" cy="856138"/>
           </a:xfrm>
         </p:spPr>
         <p:txBody>
-          <a:bodyPr/>
-          <a:lstStyle/>
-          <a:p>
+          <a:bodyPr>
+            <a:normAutofit fontScale="90000"/>
+          </a:bodyPr>
+          <a:lstStyle/>
+          <a:p>
+            <a:pPr algn="ctr"/>
             <a:r>
               <a:rPr lang="en-IN" b="1" dirty="0"/>
-              <a:t> </a:t>
-            </a:r>
-            <a:r>
-              <a:rPr lang="en-IN" sz="2800" dirty="0"/>
-              <a:t>&lt;Results&gt;</a:t>
-            </a:r>
-          </a:p>
-        </p:txBody>
-      </p:sp>
+              <a:t>Results:</a:t>
+            </a:r>
+            <a:r>
+              <a:rPr lang="en-US" b="1" dirty="0"/>
+              <a:t>Investment Type Analysis</a:t>
+            </a:r>
+            <a:br>
+              <a:rPr lang="en-US" sz="2800" b="1" dirty="0"/>
+            </a:br>
+            <a:endParaRPr lang="en-IN" sz="2800" dirty="0"/>
+          </a:p>
+        </p:txBody>
+      </p:sp>
+      <p:pic>
+        <p:nvPicPr>
+          <p:cNvPr id="2" name="Picture 1"/>
+          <p:cNvPicPr>
+            <a:picLocks noChangeAspect="1"/>
+          </p:cNvPicPr>
+          <p:nvPr/>
+        </p:nvPicPr>
+        <p:blipFill>
+          <a:blip r:embed="rId2"/>
+          <a:stretch>
+            <a:fillRect/>
+          </a:stretch>
+        </p:blipFill>
+        <p:spPr>
+          <a:xfrm>
+            <a:off x="6632619" y="1194670"/>
+            <a:ext cx="4164335" cy="1574907"/>
+          </a:xfrm>
+          <a:prstGeom prst="rect">
+            <a:avLst/>
+          </a:prstGeom>
+        </p:spPr>
+      </p:pic>
+      <p:pic>
+        <p:nvPicPr>
+          <p:cNvPr id="4" name="Picture 3"/>
+          <p:cNvPicPr>
+            <a:picLocks noChangeAspect="1"/>
+          </p:cNvPicPr>
+          <p:nvPr/>
+        </p:nvPicPr>
+        <p:blipFill>
+          <a:blip r:embed="rId3"/>
+          <a:stretch>
+            <a:fillRect/>
+          </a:stretch>
+        </p:blipFill>
+        <p:spPr>
+          <a:xfrm>
+            <a:off x="2116726" y="974795"/>
+            <a:ext cx="4515893" cy="5883205"/>
+          </a:xfrm>
+          <a:prstGeom prst="rect">
+            <a:avLst/>
+          </a:prstGeom>
+        </p:spPr>
+      </p:pic>
     </p:spTree>
     <p:extLst>
       <p:ext uri="{BB962C8B-B14F-4D97-AF65-F5344CB8AC3E}">
-        <p14:creationId xmlns:p14="http://schemas.microsoft.com/office/powerpoint/2010/main" val="1739856806"/>
+        <p14:creationId xmlns:p14="http://schemas.microsoft.com/office/powerpoint/2010/main" val="3927631554"/>
       </p:ext>
     </p:extLst>
   </p:cSld>
@@ -4172,68 +4583,67 @@
           <a:chExt cx="0" cy="0"/>
         </a:xfrm>
       </p:grpSpPr>
-      <p:sp>
-        <p:nvSpPr>
-          <p:cNvPr id="3" name="Content Placeholder 2"/>
-          <p:cNvSpPr>
-            <a:spLocks noGrp="1"/>
-          </p:cNvSpPr>
+      <p:pic>
+        <p:nvPicPr>
+          <p:cNvPr id="2" name="Content Placeholder 1"/>
+          <p:cNvPicPr>
+            <a:picLocks noGrp="1" noChangeAspect="1"/>
+          </p:cNvPicPr>
           <p:nvPr>
             <p:ph idx="1"/>
           </p:nvPr>
-        </p:nvSpPr>
-        <p:spPr/>
+        </p:nvPicPr>
+        <p:blipFill>
+          <a:blip r:embed="rId2"/>
+          <a:stretch>
+            <a:fillRect/>
+          </a:stretch>
+        </p:blipFill>
+        <p:spPr>
+          <a:xfrm>
+            <a:off x="2537138" y="1471088"/>
+            <a:ext cx="7212169" cy="4728100"/>
+          </a:xfrm>
+          <a:prstGeom prst="rect">
+            <a:avLst/>
+          </a:prstGeom>
+        </p:spPr>
+      </p:pic>
+      <p:sp>
+        <p:nvSpPr>
+          <p:cNvPr id="6" name="Title 1"/>
+          <p:cNvSpPr>
+            <a:spLocks noGrp="1"/>
+          </p:cNvSpPr>
+          <p:nvPr>
+            <p:ph type="title"/>
+          </p:nvPr>
+        </p:nvSpPr>
+        <p:spPr>
+          <a:xfrm>
+            <a:off x="934534" y="230743"/>
+            <a:ext cx="7212169" cy="856138"/>
+          </a:xfrm>
+        </p:spPr>
         <p:txBody>
           <a:bodyPr>
             <a:normAutofit/>
           </a:bodyPr>
           <a:lstStyle/>
           <a:p>
-            <a:pPr marL="0" indent="0">
-              <a:buNone/>
-            </a:pPr>
-            <a:r>
-              <a:rPr lang="en-IN" sz="1800" dirty="0"/>
-              <a:t>Plot 2</a:t>
-            </a:r>
-          </a:p>
-        </p:txBody>
-      </p:sp>
-      <p:sp>
-        <p:nvSpPr>
-          <p:cNvPr id="6" name="Title 1"/>
-          <p:cNvSpPr>
-            <a:spLocks noGrp="1"/>
-          </p:cNvSpPr>
-          <p:nvPr>
-            <p:ph type="title"/>
-          </p:nvPr>
-        </p:nvSpPr>
-        <p:spPr>
-          <a:xfrm>
-            <a:off x="1136469" y="640080"/>
-            <a:ext cx="9313817" cy="856138"/>
-          </a:xfrm>
-        </p:spPr>
-        <p:txBody>
-          <a:bodyPr/>
-          <a:lstStyle/>
-          <a:p>
-            <a:r>
-              <a:rPr lang="en-IN" b="1" dirty="0"/>
-              <a:t> </a:t>
-            </a:r>
-            <a:r>
-              <a:rPr lang="en-IN" sz="2800" dirty="0"/>
-              <a:t>&lt;Results&gt;</a:t>
-            </a:r>
+            <a:pPr algn="ctr"/>
+            <a:r>
+              <a:rPr lang="en-US" sz="3600" b="1" dirty="0"/>
+              <a:t>Results: Countries Analysis</a:t>
+            </a:r>
+            <a:endParaRPr lang="en-IN" sz="3600" dirty="0"/>
           </a:p>
         </p:txBody>
       </p:sp>
     </p:spTree>
     <p:extLst>
       <p:ext uri="{BB962C8B-B14F-4D97-AF65-F5344CB8AC3E}">
-        <p14:creationId xmlns:p14="http://schemas.microsoft.com/office/powerpoint/2010/main" val="3733554285"/>
+        <p14:creationId xmlns:p14="http://schemas.microsoft.com/office/powerpoint/2010/main" val="3325009878"/>
       </p:ext>
     </p:extLst>
   </p:cSld>
@@ -4262,33 +4672,6 @@
       </p:grpSpPr>
       <p:sp>
         <p:nvSpPr>
-          <p:cNvPr id="3" name="Content Placeholder 2"/>
-          <p:cNvSpPr>
-            <a:spLocks noGrp="1"/>
-          </p:cNvSpPr>
-          <p:nvPr>
-            <p:ph idx="1"/>
-          </p:nvPr>
-        </p:nvSpPr>
-        <p:spPr/>
-        <p:txBody>
-          <a:bodyPr>
-            <a:normAutofit/>
-          </a:bodyPr>
-          <a:lstStyle/>
-          <a:p>
-            <a:pPr marL="0" indent="0">
-              <a:buNone/>
-            </a:pPr>
-            <a:r>
-              <a:rPr lang="en-IN" sz="1800" dirty="0"/>
-              <a:t>Plot 3</a:t>
-            </a:r>
-          </a:p>
-        </p:txBody>
-      </p:sp>
-      <p:sp>
-        <p:nvSpPr>
           <p:cNvPr id="6" name="Title 1"/>
           <p:cNvSpPr>
             <a:spLocks noGrp="1"/>
@@ -4299,29 +4682,81 @@
         </p:nvSpPr>
         <p:spPr>
           <a:xfrm>
-            <a:off x="1136469" y="640080"/>
-            <a:ext cx="9313817" cy="856138"/>
+            <a:off x="404949" y="302464"/>
+            <a:ext cx="7016261" cy="856138"/>
           </a:xfrm>
         </p:spPr>
         <p:txBody>
+          <a:bodyPr>
+            <a:noAutofit/>
+          </a:bodyPr>
+          <a:lstStyle/>
+          <a:p>
+            <a:pPr algn="ctr"/>
+            <a:r>
+              <a:rPr lang="en-IN" sz="3600" b="1" dirty="0"/>
+              <a:t>Results: </a:t>
+            </a:r>
+            <a:r>
+              <a:rPr lang="en-US" sz="3600" b="1" dirty="0"/>
+              <a:t>Sector Analysis</a:t>
+            </a:r>
+            <a:endParaRPr lang="en-IN" sz="3600" dirty="0"/>
+          </a:p>
+        </p:txBody>
+      </p:sp>
+      <p:sp>
+        <p:nvSpPr>
+          <p:cNvPr id="4" name="Content Placeholder 3"/>
+          <p:cNvSpPr>
+            <a:spLocks noGrp="1"/>
+          </p:cNvSpPr>
+          <p:nvPr>
+            <p:ph idx="1"/>
+          </p:nvPr>
+        </p:nvSpPr>
+        <p:spPr>
+          <a:xfrm>
+            <a:off x="404949" y="1854926"/>
+            <a:ext cx="11404978" cy="4344261"/>
+          </a:xfrm>
+        </p:spPr>
+        <p:txBody>
           <a:bodyPr/>
           <a:lstStyle/>
           <a:p>
-            <a:r>
-              <a:rPr lang="en-IN" b="1" dirty="0"/>
-              <a:t> </a:t>
-            </a:r>
-            <a:r>
-              <a:rPr lang="en-IN" sz="2800" dirty="0"/>
-              <a:t>&lt;Results&gt;</a:t>
-            </a:r>
-          </a:p>
-        </p:txBody>
-      </p:sp>
+            <a:endParaRPr lang="en-US" dirty="0"/>
+          </a:p>
+        </p:txBody>
+      </p:sp>
+      <p:pic>
+        <p:nvPicPr>
+          <p:cNvPr id="5" name="Picture 4"/>
+          <p:cNvPicPr>
+            <a:picLocks noChangeAspect="1"/>
+          </p:cNvPicPr>
+          <p:nvPr/>
+        </p:nvPicPr>
+        <p:blipFill>
+          <a:blip r:embed="rId2"/>
+          <a:stretch>
+            <a:fillRect/>
+          </a:stretch>
+        </p:blipFill>
+        <p:spPr>
+          <a:xfrm>
+            <a:off x="359851" y="1496218"/>
+            <a:ext cx="11355899" cy="3281844"/>
+          </a:xfrm>
+          <a:prstGeom prst="rect">
+            <a:avLst/>
+          </a:prstGeom>
+        </p:spPr>
+      </p:pic>
     </p:spTree>
     <p:extLst>
       <p:ext uri="{BB962C8B-B14F-4D97-AF65-F5344CB8AC3E}">
-        <p14:creationId xmlns:p14="http://schemas.microsoft.com/office/powerpoint/2010/main" val="1057818561"/>
+        <p14:creationId xmlns:p14="http://schemas.microsoft.com/office/powerpoint/2010/main" val="202931655"/>
       </p:ext>
     </p:extLst>
   </p:cSld>

--- a/Data/Spark Funds Presentation.pptx
+++ b/Data/Spark Funds Presentation.pptx
@@ -209,7 +209,7 @@
           <a:p>
             <a:fld id="{2E309023-AF2B-4043-B228-F191CADC9BB1}" type="datetimeFigureOut">
               <a:rPr lang="en-IN" smtClean="0"/>
-              <a:t>03-11-2018</a:t>
+              <a:t>04-11-2018</a:t>
             </a:fld>
             <a:endParaRPr lang="en-IN"/>
           </a:p>
@@ -608,7 +608,7 @@
           <a:p>
             <a:fld id="{70C018FE-C8D6-4A9C-A702-41F1E0C1C452}" type="datetimeFigureOut">
               <a:rPr lang="en-IN" smtClean="0"/>
-              <a:t>03-11-2018</a:t>
+              <a:t>04-11-2018</a:t>
             </a:fld>
             <a:endParaRPr lang="en-IN"/>
           </a:p>
@@ -778,7 +778,7 @@
           <a:p>
             <a:fld id="{70C018FE-C8D6-4A9C-A702-41F1E0C1C452}" type="datetimeFigureOut">
               <a:rPr lang="en-IN" smtClean="0"/>
-              <a:t>03-11-2018</a:t>
+              <a:t>04-11-2018</a:t>
             </a:fld>
             <a:endParaRPr lang="en-IN"/>
           </a:p>
@@ -958,7 +958,7 @@
           <a:p>
             <a:fld id="{70C018FE-C8D6-4A9C-A702-41F1E0C1C452}" type="datetimeFigureOut">
               <a:rPr lang="en-IN" smtClean="0"/>
-              <a:t>03-11-2018</a:t>
+              <a:t>04-11-2018</a:t>
             </a:fld>
             <a:endParaRPr lang="en-IN"/>
           </a:p>
@@ -1390,7 +1390,7 @@
           <a:p>
             <a:fld id="{70C018FE-C8D6-4A9C-A702-41F1E0C1C452}" type="datetimeFigureOut">
               <a:rPr lang="en-IN" smtClean="0"/>
-              <a:t>03-11-2018</a:t>
+              <a:t>04-11-2018</a:t>
             </a:fld>
             <a:endParaRPr lang="en-IN"/>
           </a:p>
@@ -1622,7 +1622,7 @@
           <a:p>
             <a:fld id="{70C018FE-C8D6-4A9C-A702-41F1E0C1C452}" type="datetimeFigureOut">
               <a:rPr lang="en-IN" smtClean="0"/>
-              <a:t>03-11-2018</a:t>
+              <a:t>04-11-2018</a:t>
             </a:fld>
             <a:endParaRPr lang="en-IN"/>
           </a:p>
@@ -1989,7 +1989,7 @@
           <a:p>
             <a:fld id="{70C018FE-C8D6-4A9C-A702-41F1E0C1C452}" type="datetimeFigureOut">
               <a:rPr lang="en-IN" smtClean="0"/>
-              <a:t>03-11-2018</a:t>
+              <a:t>04-11-2018</a:t>
             </a:fld>
             <a:endParaRPr lang="en-IN"/>
           </a:p>
@@ -2107,7 +2107,7 @@
           <a:p>
             <a:fld id="{70C018FE-C8D6-4A9C-A702-41F1E0C1C452}" type="datetimeFigureOut">
               <a:rPr lang="en-IN" smtClean="0"/>
-              <a:t>03-11-2018</a:t>
+              <a:t>04-11-2018</a:t>
             </a:fld>
             <a:endParaRPr lang="en-IN"/>
           </a:p>
@@ -2202,7 +2202,7 @@
           <a:p>
             <a:fld id="{70C018FE-C8D6-4A9C-A702-41F1E0C1C452}" type="datetimeFigureOut">
               <a:rPr lang="en-IN" smtClean="0"/>
-              <a:t>03-11-2018</a:t>
+              <a:t>04-11-2018</a:t>
             </a:fld>
             <a:endParaRPr lang="en-IN"/>
           </a:p>
@@ -2478,7 +2478,7 @@
           <a:p>
             <a:fld id="{70C018FE-C8D6-4A9C-A702-41F1E0C1C452}" type="datetimeFigureOut">
               <a:rPr lang="en-IN" smtClean="0"/>
-              <a:t>03-11-2018</a:t>
+              <a:t>04-11-2018</a:t>
             </a:fld>
             <a:endParaRPr lang="en-IN"/>
           </a:p>
@@ -2735,7 +2735,7 @@
           <a:p>
             <a:fld id="{70C018FE-C8D6-4A9C-A702-41F1E0C1C452}" type="datetimeFigureOut">
               <a:rPr lang="en-IN" smtClean="0"/>
-              <a:t>03-11-2018</a:t>
+              <a:t>04-11-2018</a:t>
             </a:fld>
             <a:endParaRPr lang="en-IN"/>
           </a:p>
@@ -2946,7 +2946,7 @@
           <a:p>
             <a:fld id="{70C018FE-C8D6-4A9C-A702-41F1E0C1C452}" type="datetimeFigureOut">
               <a:rPr lang="en-IN" smtClean="0"/>
-              <a:t>03-11-2018</a:t>
+              <a:t>04-11-2018</a:t>
             </a:fld>
             <a:endParaRPr lang="en-IN" dirty="0"/>
           </a:p>
@@ -3627,6 +3627,41 @@
             <a:pPr marL="0" indent="0">
               <a:buNone/>
             </a:pPr>
+            <a:r>
+              <a:rPr lang="en-IN" sz="1400" dirty="0"/>
+              <a:t>Based on the analysis done from the data provided by crunchbase.com to help facilitate Sparks Funds decide on the best company for investment , below is the conclusions :</a:t>
+            </a:r>
+          </a:p>
+          <a:p>
+            <a:r>
+              <a:rPr lang="en-IN" sz="1400" dirty="0"/>
+              <a:t>Spark Funds should invest in ‘Venture’ type funding as the data shows strong market interest on that funding type for $5 – 15 million investment.</a:t>
+            </a:r>
+          </a:p>
+          <a:p>
+            <a:r>
+              <a:rPr lang="en-IN" sz="1400" dirty="0"/>
+              <a:t>USA, Britain and India tops the list of English speaking countries and won the interests of all the investors.</a:t>
+            </a:r>
+          </a:p>
+          <a:p>
+            <a:r>
+              <a:rPr lang="en-IN" sz="1400" dirty="0"/>
+              <a:t>The main three sectors that Spark Funds should focus </a:t>
+            </a:r>
+            <a:r>
+              <a:rPr lang="en-IN" sz="1400"/>
+              <a:t>is ‘</a:t>
+            </a:r>
+            <a:r>
+              <a:rPr lang="en-IN" sz="1400" dirty="0"/>
+              <a:t>Others’ , ‘Social, Finance, Analytics, Advertising’ and ‘Cleantech / Semiconductors’.</a:t>
+            </a:r>
+          </a:p>
+          <a:p>
+            <a:pPr marL="0" indent="0">
+              <a:buNone/>
+            </a:pPr>
             <a:endParaRPr lang="en-IN" sz="1400" dirty="0"/>
           </a:p>
         </p:txBody>
@@ -3656,8 +3691,8 @@
               <a:t> </a:t>
             </a:r>
             <a:r>
-              <a:rPr lang="en-IN" sz="2800" dirty="0"/>
-              <a:t>&lt;Conclusions&gt;</a:t>
+              <a:rPr lang="en-IN" sz="3600" b="1" dirty="0"/>
+              <a:t>Conclusions</a:t>
             </a:r>
           </a:p>
         </p:txBody>
@@ -3886,10 +3921,10 @@
       </p:sp>
       <p:pic>
         <p:nvPicPr>
-          <p:cNvPr id="14" name="Picture 13">
+          <p:cNvPr id="4" name="Picture 3">
             <a:extLst>
               <a:ext uri="{FF2B5EF4-FFF2-40B4-BE49-F238E27FC236}">
-                <a16:creationId xmlns:a16="http://schemas.microsoft.com/office/drawing/2014/main" id="{4E7C1A1E-CC81-4FD5-B9AE-F4EE810F8E0C}"/>
+                <a16:creationId xmlns:a16="http://schemas.microsoft.com/office/drawing/2014/main" id="{0E990B9E-0BE7-4DF3-94BC-C70E3B4E194C}"/>
               </a:ext>
             </a:extLst>
           </p:cNvPr>
@@ -3906,8 +3941,8 @@
         </p:blipFill>
         <p:spPr>
           <a:xfrm>
-            <a:off x="1628781" y="1380392"/>
-            <a:ext cx="4675303" cy="5407268"/>
+            <a:off x="1627840" y="1496218"/>
+            <a:ext cx="4394891" cy="5106805"/>
           </a:xfrm>
           <a:prstGeom prst="rect">
             <a:avLst/>
@@ -4051,9 +4086,10 @@
               <a:t>/</a:t>
             </a:r>
             <a:r>
-              <a:rPr lang="en-IN" sz="1400" b="1" dirty="0"/>
+              <a:rPr lang="en-IN" sz="1400" b="1" dirty="0" err="1"/>
               <a:t>company_permalink</a:t>
             </a:r>
+            <a:endParaRPr lang="en-IN" sz="1400" b="1" dirty="0"/>
           </a:p>
           <a:p>
             <a:pPr marL="0" indent="0">
@@ -4061,8 +4097,13 @@
             </a:pPr>
             <a:r>
               <a:rPr lang="en-IN" sz="1400" dirty="0"/>
-              <a:t>Step 4: Clean master data frame to only include companies with no null values for raised_amount</a:t>
-            </a:r>
+              <a:t>Step 4: Clean master data frame to only include companies with no null values for </a:t>
+            </a:r>
+            <a:r>
+              <a:rPr lang="en-IN" sz="1400" dirty="0" err="1"/>
+              <a:t>raised_amount</a:t>
+            </a:r>
+            <a:endParaRPr lang="en-IN" sz="1400" dirty="0"/>
           </a:p>
           <a:p>
             <a:pPr marL="0" indent="0">
@@ -4112,6 +4153,12 @@
               <a:rPr lang="en-IN" sz="1400" dirty="0"/>
               <a:t>Companies with closed status is also considered in data analysis.</a:t>
             </a:r>
+          </a:p>
+          <a:p>
+            <a:pPr marL="0" indent="0">
+              <a:buNone/>
+            </a:pPr>
+            <a:endParaRPr lang="en-IN" sz="1400" dirty="0"/>
           </a:p>
           <a:p>
             <a:pPr marL="0" indent="0">
@@ -4403,6 +4450,132 @@
             <a:pPr marL="0" indent="0">
               <a:buNone/>
             </a:pPr>
+            <a:r>
+              <a:rPr lang="en-US" sz="1400" dirty="0"/>
+              <a:t>Spark Funds wants to invest in the most heavily invested main sectors in each of the top three countries for the chosen investment type.</a:t>
+            </a:r>
+          </a:p>
+          <a:p>
+            <a:pPr marL="0" indent="0">
+              <a:buNone/>
+            </a:pPr>
+            <a:r>
+              <a:rPr lang="en-US" sz="1400" dirty="0"/>
+              <a:t>Step 1: Map the primary sector to the corresponding main sector from the sector mapping data frame.</a:t>
+            </a:r>
+          </a:p>
+          <a:p>
+            <a:pPr marL="0" indent="0">
+              <a:buNone/>
+            </a:pPr>
+            <a:r>
+              <a:rPr lang="en-US" sz="1400" dirty="0"/>
+              <a:t>Step 2: Data cleaning for sector mapping data frame. Also data clean up for master data frame where category list is null.</a:t>
+            </a:r>
+          </a:p>
+          <a:p>
+            <a:pPr marL="0" indent="0">
+              <a:buNone/>
+            </a:pPr>
+            <a:r>
+              <a:rPr lang="en-US" sz="1400" dirty="0"/>
+              <a:t>Step 3: Find the </a:t>
+            </a:r>
+            <a:r>
+              <a:rPr lang="en-US" sz="1400" dirty="0" err="1"/>
+              <a:t>primary_sector</a:t>
+            </a:r>
+            <a:r>
+              <a:rPr lang="en-US" sz="1400" dirty="0"/>
+              <a:t> of each company and map it to the </a:t>
+            </a:r>
+            <a:r>
+              <a:rPr lang="en-US" sz="1400" dirty="0" err="1"/>
+              <a:t>main_sector</a:t>
+            </a:r>
+            <a:r>
+              <a:rPr lang="en-US" sz="1400" dirty="0"/>
+              <a:t>. </a:t>
+            </a:r>
+          </a:p>
+          <a:p>
+            <a:pPr marL="0" indent="0">
+              <a:buNone/>
+            </a:pPr>
+            <a:r>
+              <a:rPr lang="en-US" sz="1400" dirty="0"/>
+              <a:t>Step 4: For the top 3 English speaking country with the selected funding type and investment amount between 5 -15 million dollars , create new data frames D1 , D2 , D3 with new columns primary sector and main sector.</a:t>
+            </a:r>
+          </a:p>
+          <a:p>
+            <a:pPr marL="0" indent="0">
+              <a:buNone/>
+            </a:pPr>
+            <a:r>
+              <a:rPr lang="en-US" sz="1400" dirty="0"/>
+              <a:t>Step 5: Find the main sector for each country that has received maximum investment.</a:t>
+            </a:r>
+          </a:p>
+          <a:p>
+            <a:pPr marL="0" indent="0">
+              <a:buNone/>
+            </a:pPr>
+            <a:r>
+              <a:rPr lang="en-US" sz="1400" dirty="0"/>
+              <a:t>Step 6: Find the number of investment and Amount Invested for each main sector in D1 , D2 and D3.</a:t>
+            </a:r>
+          </a:p>
+          <a:p>
+            <a:pPr marL="0" indent="0">
+              <a:buNone/>
+            </a:pPr>
+            <a:r>
+              <a:rPr lang="en-US" sz="1400" dirty="0"/>
+              <a:t>Step 7: Determine the top most company in the each sector which received the maximum investment.</a:t>
+            </a:r>
+          </a:p>
+          <a:p>
+            <a:pPr marL="0" indent="0">
+              <a:buNone/>
+            </a:pPr>
+            <a:r>
+              <a:rPr lang="en-IN" sz="1400" dirty="0"/>
+              <a:t>Based on the sector analysis, the main sector that seems to be the best sector for investment type Venture and each of the top 3 countries shortlisted in the previous slides are :</a:t>
+            </a:r>
+          </a:p>
+          <a:p>
+            <a:r>
+              <a:rPr lang="en-IN" sz="1400" dirty="0"/>
+              <a:t>Others</a:t>
+            </a:r>
+          </a:p>
+          <a:p>
+            <a:r>
+              <a:rPr lang="en-IN" sz="1400" dirty="0"/>
+              <a:t>Social, Finance, Analytics, Advertising</a:t>
+            </a:r>
+          </a:p>
+          <a:p>
+            <a:r>
+              <a:rPr lang="en-IN" sz="1400" dirty="0"/>
+              <a:t>Cleantech / </a:t>
+            </a:r>
+            <a:r>
+              <a:rPr lang="en-IN" sz="1400" dirty="0" err="1"/>
+              <a:t>SemiConductors</a:t>
+            </a:r>
+            <a:endParaRPr lang="en-IN" sz="1400" dirty="0"/>
+          </a:p>
+          <a:p>
+            <a:endParaRPr lang="en-IN" sz="1400" dirty="0"/>
+          </a:p>
+          <a:p>
+            <a:endParaRPr lang="en-IN" sz="1400" dirty="0"/>
+          </a:p>
+          <a:p>
+            <a:pPr marL="0" indent="0">
+              <a:buNone/>
+            </a:pPr>
             <a:endParaRPr lang="en-IN" sz="1400" dirty="0"/>
           </a:p>
         </p:txBody>
@@ -4447,7 +4620,12 @@
             <p:ph idx="1"/>
           </p:nvPr>
         </p:nvSpPr>
-        <p:spPr/>
+        <p:spPr>
+          <a:xfrm>
+            <a:off x="404948" y="1854926"/>
+            <a:ext cx="11306405" cy="4344261"/>
+          </a:xfrm>
+        </p:spPr>
         <p:txBody>
           <a:bodyPr>
             <a:normAutofit/>
@@ -4479,7 +4657,7 @@
         </p:nvSpPr>
         <p:spPr>
           <a:xfrm>
-            <a:off x="404949" y="338532"/>
+            <a:off x="1136469" y="123159"/>
             <a:ext cx="9313817" cy="856138"/>
           </a:xfrm>
         </p:spPr>
@@ -4492,11 +4670,7 @@
             <a:pPr algn="ctr"/>
             <a:r>
               <a:rPr lang="en-IN" b="1" dirty="0"/>
-              <a:t>Results:</a:t>
-            </a:r>
-            <a:r>
-              <a:rPr lang="en-US" b="1" dirty="0"/>
-              <a:t>Investment Type Analysis</a:t>
+              <a:t> </a:t>
             </a:r>
             <a:br>
               <a:rPr lang="en-US" sz="2800" b="1" dirty="0"/>
@@ -4521,8 +4695,8 @@
         </p:blipFill>
         <p:spPr>
           <a:xfrm>
-            <a:off x="6632619" y="1194670"/>
-            <a:ext cx="4164335" cy="1574907"/>
+            <a:off x="6632619" y="1194671"/>
+            <a:ext cx="4683081" cy="1706792"/>
           </a:xfrm>
           <a:prstGeom prst="rect">
             <a:avLst/>
@@ -4545,7 +4719,7 @@
         </p:blipFill>
         <p:spPr>
           <a:xfrm>
-            <a:off x="2116726" y="974795"/>
+            <a:off x="1473427" y="781612"/>
             <a:ext cx="4515893" cy="5883205"/>
           </a:xfrm>
           <a:prstGeom prst="rect">
@@ -4553,6 +4727,101 @@
           </a:prstGeom>
         </p:spPr>
       </p:pic>
+      <p:sp>
+        <p:nvSpPr>
+          <p:cNvPr id="5" name="Rectangle 4"/>
+          <p:cNvSpPr/>
+          <p:nvPr/>
+        </p:nvSpPr>
+        <p:spPr>
+          <a:xfrm>
+            <a:off x="6445599" y="4027056"/>
+            <a:ext cx="5465050" cy="1200329"/>
+          </a:xfrm>
+          <a:prstGeom prst="rect">
+            <a:avLst/>
+          </a:prstGeom>
+        </p:spPr>
+        <p:txBody>
+          <a:bodyPr wrap="square">
+            <a:spAutoFit/>
+          </a:bodyPr>
+          <a:lstStyle/>
+          <a:p>
+            <a:r>
+              <a:rPr lang="en-US" b="1" dirty="0"/>
+              <a:t>Note: </a:t>
+            </a:r>
+            <a:r>
+              <a:rPr lang="en-US" dirty="0"/>
+              <a:t>Investment Type analysis on funding type concludes that "Venture" funding type is most suitable for Spark Funds as Investment constraints of $5 to $15 million per investment round.</a:t>
+            </a:r>
+          </a:p>
+        </p:txBody>
+      </p:sp>
+      <p:sp>
+        <p:nvSpPr>
+          <p:cNvPr id="7" name="Title 1">
+            <a:extLst>
+              <a:ext uri="{FF2B5EF4-FFF2-40B4-BE49-F238E27FC236}">
+                <a16:creationId xmlns:a16="http://schemas.microsoft.com/office/drawing/2014/main" id="{6B24AAC4-8ED1-4C81-874B-A425D8D604FB}"/>
+              </a:ext>
+            </a:extLst>
+          </p:cNvPr>
+          <p:cNvSpPr txBox="1">
+            <a:spLocks/>
+          </p:cNvSpPr>
+          <p:nvPr/>
+        </p:nvSpPr>
+        <p:spPr>
+          <a:xfrm>
+            <a:off x="896816" y="261659"/>
+            <a:ext cx="8118566" cy="856138"/>
+          </a:xfrm>
+          <a:prstGeom prst="rect">
+            <a:avLst/>
+          </a:prstGeom>
+        </p:spPr>
+        <p:txBody>
+          <a:bodyPr vert="horz" lIns="91440" tIns="45720" rIns="91440" bIns="45720" rtlCol="0" anchor="ctr">
+            <a:normAutofit fontScale="90000" lnSpcReduction="10000"/>
+          </a:bodyPr>
+          <a:lstStyle>
+            <a:lvl1pPr algn="l" defTabSz="914400" rtl="0" eaLnBrk="1" latinLnBrk="0" hangingPunct="1">
+              <a:lnSpc>
+                <a:spcPct val="90000"/>
+              </a:lnSpc>
+              <a:spcBef>
+                <a:spcPct val="0"/>
+              </a:spcBef>
+              <a:buNone/>
+              <a:defRPr sz="4000" kern="1200">
+                <a:solidFill>
+                  <a:schemeClr val="tx1"/>
+                </a:solidFill>
+                <a:latin typeface="Times New Roman" panose="02020603050405020304" pitchFamily="18" charset="0"/>
+                <a:ea typeface="+mj-ea"/>
+                <a:cs typeface="Times New Roman" panose="02020603050405020304" pitchFamily="18" charset="0"/>
+              </a:defRPr>
+            </a:lvl1pPr>
+          </a:lstStyle>
+          <a:p>
+            <a:pPr algn="ctr"/>
+            <a:r>
+              <a:rPr lang="en-IN" b="1" dirty="0"/>
+              <a:t>Results: </a:t>
+            </a:r>
+            <a:r>
+              <a:rPr lang="en-US" b="1" dirty="0"/>
+              <a:t>Investment Type Analysis</a:t>
+            </a:r>
+            <a:br>
+              <a:rPr lang="en-US" sz="2800" b="1" dirty="0"/>
+            </a:br>
+            <a:endParaRPr lang="en-IN" sz="2800" dirty="0"/>
+          </a:p>
+        </p:txBody>
+      </p:sp>
     </p:spTree>
     <p:extLst>
       <p:ext uri="{BB962C8B-B14F-4D97-AF65-F5344CB8AC3E}">
@@ -4583,15 +4852,44 @@
           <a:chExt cx="0" cy="0"/>
         </a:xfrm>
       </p:grpSpPr>
+      <p:sp>
+        <p:nvSpPr>
+          <p:cNvPr id="6" name="Title 1"/>
+          <p:cNvSpPr>
+            <a:spLocks noGrp="1"/>
+          </p:cNvSpPr>
+          <p:nvPr>
+            <p:ph type="title"/>
+          </p:nvPr>
+        </p:nvSpPr>
+        <p:spPr>
+          <a:xfrm>
+            <a:off x="1136469" y="640080"/>
+            <a:ext cx="9313817" cy="856138"/>
+          </a:xfrm>
+        </p:spPr>
+        <p:txBody>
+          <a:bodyPr>
+            <a:normAutofit/>
+          </a:bodyPr>
+          <a:lstStyle/>
+          <a:p>
+            <a:pPr algn="ctr"/>
+            <a:r>
+              <a:rPr lang="en-IN" sz="3600" b="1" dirty="0"/>
+              <a:t> </a:t>
+            </a:r>
+            <a:endParaRPr lang="en-IN" sz="3600" dirty="0"/>
+          </a:p>
+        </p:txBody>
+      </p:sp>
       <p:pic>
         <p:nvPicPr>
-          <p:cNvPr id="2" name="Content Placeholder 1"/>
+          <p:cNvPr id="10" name="Picture 9"/>
           <p:cNvPicPr>
-            <a:picLocks noGrp="1" noChangeAspect="1"/>
+            <a:picLocks noChangeAspect="1"/>
           </p:cNvPicPr>
-          <p:nvPr>
-            <p:ph idx="1"/>
-          </p:nvPr>
+          <p:nvPr/>
         </p:nvPicPr>
         <p:blipFill>
           <a:blip r:embed="rId2"/>
@@ -4601,35 +4899,122 @@
         </p:blipFill>
         <p:spPr>
           <a:xfrm>
-            <a:off x="2537138" y="1471088"/>
-            <a:ext cx="7212169" cy="4728100"/>
+            <a:off x="1239716" y="1584141"/>
+            <a:ext cx="7395812" cy="4565226"/>
           </a:xfrm>
           <a:prstGeom prst="rect">
             <a:avLst/>
           </a:prstGeom>
         </p:spPr>
       </p:pic>
-      <p:sp>
-        <p:nvSpPr>
-          <p:cNvPr id="6" name="Title 1"/>
-          <p:cNvSpPr>
-            <a:spLocks noGrp="1"/>
-          </p:cNvSpPr>
-          <p:nvPr>
-            <p:ph type="title"/>
-          </p:nvPr>
+      <p:pic>
+        <p:nvPicPr>
+          <p:cNvPr id="11" name="Picture 10"/>
+          <p:cNvPicPr>
+            <a:picLocks noChangeAspect="1"/>
+          </p:cNvPicPr>
+          <p:nvPr/>
+        </p:nvPicPr>
+        <p:blipFill>
+          <a:blip r:embed="rId3"/>
+          <a:stretch>
+            <a:fillRect/>
+          </a:stretch>
+        </p:blipFill>
+        <p:spPr>
+          <a:xfrm>
+            <a:off x="9741290" y="1244655"/>
+            <a:ext cx="708996" cy="1771107"/>
+          </a:xfrm>
+          <a:prstGeom prst="rect">
+            <a:avLst/>
+          </a:prstGeom>
+        </p:spPr>
+      </p:pic>
+      <p:sp>
+        <p:nvSpPr>
+          <p:cNvPr id="12" name="Rectangle 11"/>
+          <p:cNvSpPr/>
+          <p:nvPr/>
+        </p:nvSpPr>
+        <p:spPr>
+          <a:xfrm>
+            <a:off x="9064869" y="3187370"/>
+            <a:ext cx="2769577" cy="2062103"/>
+          </a:xfrm>
+          <a:prstGeom prst="rect">
+            <a:avLst/>
+          </a:prstGeom>
+        </p:spPr>
+        <p:txBody>
+          <a:bodyPr wrap="square">
+            <a:spAutoFit/>
+          </a:bodyPr>
+          <a:lstStyle/>
+          <a:p>
+            <a:r>
+              <a:rPr lang="en-US" sz="1600" b="1" dirty="0">
+                <a:latin typeface="Times New Roman" panose="02020603050405020304" pitchFamily="18" charset="0"/>
+                <a:cs typeface="Times New Roman" panose="02020603050405020304" pitchFamily="18" charset="0"/>
+              </a:rPr>
+              <a:t>Note: </a:t>
+            </a:r>
+            <a:r>
+              <a:rPr lang="en-US" sz="1600" dirty="0">
+                <a:latin typeface="Times New Roman" panose="02020603050405020304" pitchFamily="18" charset="0"/>
+                <a:cs typeface="Times New Roman" panose="02020603050405020304" pitchFamily="18" charset="0"/>
+              </a:rPr>
+              <a:t>Country Analysis shows the TOP 9 Countries with the Total Investments made and excluding the English Speaking country "China" provides us the TOP 3 list of countries for Spark Funds to focus on - USA, Great Britain and India.</a:t>
+            </a:r>
+          </a:p>
+        </p:txBody>
+      </p:sp>
+      <p:sp>
+        <p:nvSpPr>
+          <p:cNvPr id="7" name="Title 1">
+            <a:extLst>
+              <a:ext uri="{FF2B5EF4-FFF2-40B4-BE49-F238E27FC236}">
+                <a16:creationId xmlns:a16="http://schemas.microsoft.com/office/drawing/2014/main" id="{FC47E271-1668-4D87-9B68-995F6DCED376}"/>
+              </a:ext>
+            </a:extLst>
+          </p:cNvPr>
+          <p:cNvSpPr txBox="1">
+            <a:spLocks/>
+          </p:cNvSpPr>
+          <p:nvPr/>
         </p:nvSpPr>
         <p:spPr>
           <a:xfrm>
             <a:off x="934534" y="230743"/>
             <a:ext cx="7212169" cy="856138"/>
           </a:xfrm>
+          <a:prstGeom prst="rect">
+            <a:avLst/>
+          </a:prstGeom>
         </p:spPr>
         <p:txBody>
-          <a:bodyPr>
+          <a:bodyPr vert="horz" lIns="91440" tIns="45720" rIns="91440" bIns="45720" rtlCol="0" anchor="ctr">
             <a:normAutofit/>
           </a:bodyPr>
-          <a:lstStyle/>
+          <a:lstStyle>
+            <a:lvl1pPr algn="l" defTabSz="914400" rtl="0" eaLnBrk="1" latinLnBrk="0" hangingPunct="1">
+              <a:lnSpc>
+                <a:spcPct val="90000"/>
+              </a:lnSpc>
+              <a:spcBef>
+                <a:spcPct val="0"/>
+              </a:spcBef>
+              <a:buNone/>
+              <a:defRPr sz="4000" kern="1200">
+                <a:solidFill>
+                  <a:schemeClr val="tx1"/>
+                </a:solidFill>
+                <a:latin typeface="Times New Roman" panose="02020603050405020304" pitchFamily="18" charset="0"/>
+                <a:ea typeface="+mj-ea"/>
+                <a:cs typeface="Times New Roman" panose="02020603050405020304" pitchFamily="18" charset="0"/>
+              </a:defRPr>
+            </a:lvl1pPr>
+          </a:lstStyle>
           <a:p>
             <a:pPr algn="ctr"/>
             <a:r>
@@ -4682,20 +5067,20 @@
         </p:nvSpPr>
         <p:spPr>
           <a:xfrm>
-            <a:off x="404949" y="302464"/>
-            <a:ext cx="7016261" cy="856138"/>
+            <a:off x="1301262" y="391365"/>
+            <a:ext cx="5297994" cy="856138"/>
           </a:xfrm>
         </p:spPr>
         <p:txBody>
           <a:bodyPr>
-            <a:noAutofit/>
+            <a:normAutofit/>
           </a:bodyPr>
           <a:lstStyle/>
           <a:p>
             <a:pPr algn="ctr"/>
             <a:r>
               <a:rPr lang="en-IN" sz="3600" b="1" dirty="0"/>
-              <a:t>Results: </a:t>
+              <a:t> Results: </a:t>
             </a:r>
             <a:r>
               <a:rPr lang="en-US" sz="3600" b="1" dirty="0"/>
@@ -4718,7 +5103,7 @@
         <p:spPr>
           <a:xfrm>
             <a:off x="404949" y="1854926"/>
-            <a:ext cx="11404978" cy="4344261"/>
+            <a:ext cx="11404978" cy="3779274"/>
           </a:xfrm>
         </p:spPr>
         <p:txBody>
@@ -4745,7 +5130,7 @@
         </p:blipFill>
         <p:spPr>
           <a:xfrm>
-            <a:off x="359851" y="1496218"/>
+            <a:off x="404949" y="1496218"/>
             <a:ext cx="11355899" cy="3281844"/>
           </a:xfrm>
           <a:prstGeom prst="rect">
@@ -4753,6 +5138,62 @@
           </a:prstGeom>
         </p:spPr>
       </p:pic>
+      <p:sp>
+        <p:nvSpPr>
+          <p:cNvPr id="2" name="Rectangle 1"/>
+          <p:cNvSpPr/>
+          <p:nvPr/>
+        </p:nvSpPr>
+        <p:spPr>
+          <a:xfrm>
+            <a:off x="549529" y="4778062"/>
+            <a:ext cx="10487696" cy="1138773"/>
+          </a:xfrm>
+          <a:prstGeom prst="rect">
+            <a:avLst/>
+          </a:prstGeom>
+        </p:spPr>
+        <p:txBody>
+          <a:bodyPr wrap="square">
+            <a:spAutoFit/>
+          </a:bodyPr>
+          <a:lstStyle/>
+          <a:p>
+            <a:r>
+              <a:rPr lang="en-US" sz="1600" b="1" dirty="0">
+                <a:latin typeface="Times New Roman" panose="02020603050405020304" pitchFamily="18" charset="0"/>
+                <a:cs typeface="Times New Roman" panose="02020603050405020304" pitchFamily="18" charset="0"/>
+              </a:rPr>
+              <a:t>Note: </a:t>
+            </a:r>
+            <a:r>
+              <a:rPr lang="en-US" sz="1600" dirty="0">
+                <a:latin typeface="Times New Roman" panose="02020603050405020304" pitchFamily="18" charset="0"/>
+                <a:cs typeface="Times New Roman" panose="02020603050405020304" pitchFamily="18" charset="0"/>
+              </a:rPr>
+              <a:t>Sector Analysis shows top 3 sector to focus on by spark funds. </a:t>
+            </a:r>
+          </a:p>
+          <a:p>
+            <a:r>
+              <a:rPr lang="en-US" sz="1600" dirty="0">
+                <a:latin typeface="Times New Roman" panose="02020603050405020304" pitchFamily="18" charset="0"/>
+                <a:cs typeface="Times New Roman" panose="02020603050405020304" pitchFamily="18" charset="0"/>
+              </a:rPr>
+              <a:t>Based on the investment type and top 3 countries concluded in previous slides , the sector ‘Others' shows maximum investment by all the companies.</a:t>
+            </a:r>
+            <a:endParaRPr lang="en-US" sz="1600" b="1" dirty="0">
+              <a:latin typeface="Times New Roman" panose="02020603050405020304" pitchFamily="18" charset="0"/>
+              <a:cs typeface="Times New Roman" panose="02020603050405020304" pitchFamily="18" charset="0"/>
+            </a:endParaRPr>
+          </a:p>
+          <a:p>
+            <a:endParaRPr lang="en-US" dirty="0">
+              <a:latin typeface="Calibri" panose="020F0502020204030204" pitchFamily="34" charset="0"/>
+            </a:endParaRPr>
+          </a:p>
+        </p:txBody>
+      </p:sp>
     </p:spTree>
     <p:extLst>
       <p:ext uri="{BB962C8B-B14F-4D97-AF65-F5344CB8AC3E}">

--- a/Data/Spark Funds Presentation.pptx
+++ b/Data/Spark Funds Presentation.pptx
@@ -4479,23 +4479,7 @@
             </a:pPr>
             <a:r>
               <a:rPr lang="en-US" sz="1400" dirty="0"/>
-              <a:t>Step 3: Find the </a:t>
-            </a:r>
-            <a:r>
-              <a:rPr lang="en-US" sz="1400" dirty="0" err="1"/>
-              <a:t>primary_sector</a:t>
-            </a:r>
-            <a:r>
-              <a:rPr lang="en-US" sz="1400" dirty="0"/>
-              <a:t> of each company and map it to the </a:t>
-            </a:r>
-            <a:r>
-              <a:rPr lang="en-US" sz="1400" dirty="0" err="1"/>
-              <a:t>main_sector</a:t>
-            </a:r>
-            <a:r>
-              <a:rPr lang="en-US" sz="1400" dirty="0"/>
-              <a:t>. </a:t>
+              <a:t>Step 3: Find the primary sector of each company and map it to the main sector. </a:t>
             </a:r>
           </a:p>
           <a:p>
@@ -4558,13 +4542,8 @@
           <a:p>
             <a:r>
               <a:rPr lang="en-IN" sz="1400" dirty="0"/>
-              <a:t>Cleantech / </a:t>
-            </a:r>
-            <a:r>
-              <a:rPr lang="en-IN" sz="1400" dirty="0" err="1"/>
-              <a:t>SemiConductors</a:t>
-            </a:r>
-            <a:endParaRPr lang="en-IN" sz="1400" dirty="0"/>
+              <a:t>Cleantech / Semiconductors (Except for India it is News, Search and Messaging)</a:t>
+            </a:r>
           </a:p>
           <a:p>
             <a:endParaRPr lang="en-IN" sz="1400" dirty="0"/>
